--- a/figures/constraint_examples.pptx
+++ b/figures/constraint_examples.pptx
@@ -262,7 +262,7 @@
           <a:p>
             <a:fld id="{1A30122B-BC72-41F7-938E-33D4221D7AF9}" type="datetimeFigureOut">
               <a:rPr lang="en-US" smtClean="0"/>
-              <a:t>6/24/25</a:t>
+              <a:t>7/1/25</a:t>
             </a:fld>
             <a:endParaRPr lang="en-US"/>
           </a:p>
@@ -460,7 +460,7 @@
           <a:p>
             <a:fld id="{1A30122B-BC72-41F7-938E-33D4221D7AF9}" type="datetimeFigureOut">
               <a:rPr lang="en-US" smtClean="0"/>
-              <a:t>6/24/25</a:t>
+              <a:t>7/1/25</a:t>
             </a:fld>
             <a:endParaRPr lang="en-US"/>
           </a:p>
@@ -668,7 +668,7 @@
           <a:p>
             <a:fld id="{1A30122B-BC72-41F7-938E-33D4221D7AF9}" type="datetimeFigureOut">
               <a:rPr lang="en-US" smtClean="0"/>
-              <a:t>6/24/25</a:t>
+              <a:t>7/1/25</a:t>
             </a:fld>
             <a:endParaRPr lang="en-US"/>
           </a:p>
@@ -866,7 +866,7 @@
           <a:p>
             <a:fld id="{1A30122B-BC72-41F7-938E-33D4221D7AF9}" type="datetimeFigureOut">
               <a:rPr lang="en-US" smtClean="0"/>
-              <a:t>6/24/25</a:t>
+              <a:t>7/1/25</a:t>
             </a:fld>
             <a:endParaRPr lang="en-US"/>
           </a:p>
@@ -1141,7 +1141,7 @@
           <a:p>
             <a:fld id="{1A30122B-BC72-41F7-938E-33D4221D7AF9}" type="datetimeFigureOut">
               <a:rPr lang="en-US" smtClean="0"/>
-              <a:t>6/24/25</a:t>
+              <a:t>7/1/25</a:t>
             </a:fld>
             <a:endParaRPr lang="en-US"/>
           </a:p>
@@ -1406,7 +1406,7 @@
           <a:p>
             <a:fld id="{1A30122B-BC72-41F7-938E-33D4221D7AF9}" type="datetimeFigureOut">
               <a:rPr lang="en-US" smtClean="0"/>
-              <a:t>6/24/25</a:t>
+              <a:t>7/1/25</a:t>
             </a:fld>
             <a:endParaRPr lang="en-US"/>
           </a:p>
@@ -1818,7 +1818,7 @@
           <a:p>
             <a:fld id="{1A30122B-BC72-41F7-938E-33D4221D7AF9}" type="datetimeFigureOut">
               <a:rPr lang="en-US" smtClean="0"/>
-              <a:t>6/24/25</a:t>
+              <a:t>7/1/25</a:t>
             </a:fld>
             <a:endParaRPr lang="en-US"/>
           </a:p>
@@ -1959,7 +1959,7 @@
           <a:p>
             <a:fld id="{1A30122B-BC72-41F7-938E-33D4221D7AF9}" type="datetimeFigureOut">
               <a:rPr lang="en-US" smtClean="0"/>
-              <a:t>6/24/25</a:t>
+              <a:t>7/1/25</a:t>
             </a:fld>
             <a:endParaRPr lang="en-US"/>
           </a:p>
@@ -2072,7 +2072,7 @@
           <a:p>
             <a:fld id="{1A30122B-BC72-41F7-938E-33D4221D7AF9}" type="datetimeFigureOut">
               <a:rPr lang="en-US" smtClean="0"/>
-              <a:t>6/24/25</a:t>
+              <a:t>7/1/25</a:t>
             </a:fld>
             <a:endParaRPr lang="en-US"/>
           </a:p>
@@ -2383,7 +2383,7 @@
           <a:p>
             <a:fld id="{1A30122B-BC72-41F7-938E-33D4221D7AF9}" type="datetimeFigureOut">
               <a:rPr lang="en-US" smtClean="0"/>
-              <a:t>6/24/25</a:t>
+              <a:t>7/1/25</a:t>
             </a:fld>
             <a:endParaRPr lang="en-US"/>
           </a:p>
@@ -2671,7 +2671,7 @@
           <a:p>
             <a:fld id="{1A30122B-BC72-41F7-938E-33D4221D7AF9}" type="datetimeFigureOut">
               <a:rPr lang="en-US" smtClean="0"/>
-              <a:t>6/24/25</a:t>
+              <a:t>7/1/25</a:t>
             </a:fld>
             <a:endParaRPr lang="en-US"/>
           </a:p>
@@ -2912,7 +2912,7 @@
           <a:p>
             <a:fld id="{1A30122B-BC72-41F7-938E-33D4221D7AF9}" type="datetimeFigureOut">
               <a:rPr lang="en-US" smtClean="0"/>
-              <a:t>6/24/25</a:t>
+              <a:t>7/1/25</a:t>
             </a:fld>
             <a:endParaRPr lang="en-US"/>
           </a:p>
@@ -5783,7 +5783,7 @@
                 <a:ea typeface="Cascadia Mono Light" panose="020B0609020000020004" pitchFamily="49" charset="0"/>
                 <a:cs typeface="Cascadia Mono Light" panose="020B0609020000020004" pitchFamily="49" charset="0"/>
               </a:rPr>
-              <a:t>expression: “5”</a:t>
+              <a:t>expression: “8”</a:t>
             </a:r>
           </a:p>
         </p:txBody>
